--- a/docs/EquipmentSetup/Networking/Kit.pptx
+++ b/docs/EquipmentSetup/Networking/Kit.pptx
@@ -208,7 +208,7 @@
           <a:p>
             <a:fld id="{B9503A7B-FFA9-4535-9439-F7DED7245B92}" type="datetimeFigureOut">
               <a:rPr lang="en-CA" smtClean="0"/>
-              <a:t>2024-11-20</a:t>
+              <a:t>2024-11-21</a:t>
             </a:fld>
             <a:endParaRPr lang="en-CA"/>
           </a:p>
@@ -715,7 +715,7 @@
           <a:p>
             <a:fld id="{DFF2FBC3-E573-4B2D-B1C4-960EEBA08826}" type="datetimeFigureOut">
               <a:rPr lang="fr-CA" smtClean="0"/>
-              <a:t>2024-11-20</a:t>
+              <a:t>2024-11-21</a:t>
             </a:fld>
             <a:endParaRPr lang="fr-CA"/>
           </a:p>
@@ -885,7 +885,7 @@
           <a:p>
             <a:fld id="{DFF2FBC3-E573-4B2D-B1C4-960EEBA08826}" type="datetimeFigureOut">
               <a:rPr lang="fr-CA" smtClean="0"/>
-              <a:t>2024-11-20</a:t>
+              <a:t>2024-11-21</a:t>
             </a:fld>
             <a:endParaRPr lang="fr-CA"/>
           </a:p>
@@ -1065,7 +1065,7 @@
           <a:p>
             <a:fld id="{DFF2FBC3-E573-4B2D-B1C4-960EEBA08826}" type="datetimeFigureOut">
               <a:rPr lang="fr-CA" smtClean="0"/>
-              <a:t>2024-11-20</a:t>
+              <a:t>2024-11-21</a:t>
             </a:fld>
             <a:endParaRPr lang="fr-CA"/>
           </a:p>
@@ -1235,7 +1235,7 @@
           <a:p>
             <a:fld id="{DFF2FBC3-E573-4B2D-B1C4-960EEBA08826}" type="datetimeFigureOut">
               <a:rPr lang="fr-CA" smtClean="0"/>
-              <a:t>2024-11-20</a:t>
+              <a:t>2024-11-21</a:t>
             </a:fld>
             <a:endParaRPr lang="fr-CA"/>
           </a:p>
@@ -1479,7 +1479,7 @@
           <a:p>
             <a:fld id="{DFF2FBC3-E573-4B2D-B1C4-960EEBA08826}" type="datetimeFigureOut">
               <a:rPr lang="fr-CA" smtClean="0"/>
-              <a:t>2024-11-20</a:t>
+              <a:t>2024-11-21</a:t>
             </a:fld>
             <a:endParaRPr lang="fr-CA"/>
           </a:p>
@@ -1711,7 +1711,7 @@
           <a:p>
             <a:fld id="{DFF2FBC3-E573-4B2D-B1C4-960EEBA08826}" type="datetimeFigureOut">
               <a:rPr lang="fr-CA" smtClean="0"/>
-              <a:t>2024-11-20</a:t>
+              <a:t>2024-11-21</a:t>
             </a:fld>
             <a:endParaRPr lang="fr-CA"/>
           </a:p>
@@ -2078,7 +2078,7 @@
           <a:p>
             <a:fld id="{DFF2FBC3-E573-4B2D-B1C4-960EEBA08826}" type="datetimeFigureOut">
               <a:rPr lang="fr-CA" smtClean="0"/>
-              <a:t>2024-11-20</a:t>
+              <a:t>2024-11-21</a:t>
             </a:fld>
             <a:endParaRPr lang="fr-CA"/>
           </a:p>
@@ -2196,7 +2196,7 @@
           <a:p>
             <a:fld id="{DFF2FBC3-E573-4B2D-B1C4-960EEBA08826}" type="datetimeFigureOut">
               <a:rPr lang="fr-CA" smtClean="0"/>
-              <a:t>2024-11-20</a:t>
+              <a:t>2024-11-21</a:t>
             </a:fld>
             <a:endParaRPr lang="fr-CA"/>
           </a:p>
@@ -2291,7 +2291,7 @@
           <a:p>
             <a:fld id="{DFF2FBC3-E573-4B2D-B1C4-960EEBA08826}" type="datetimeFigureOut">
               <a:rPr lang="fr-CA" smtClean="0"/>
-              <a:t>2024-11-20</a:t>
+              <a:t>2024-11-21</a:t>
             </a:fld>
             <a:endParaRPr lang="fr-CA"/>
           </a:p>
@@ -2568,7 +2568,7 @@
           <a:p>
             <a:fld id="{DFF2FBC3-E573-4B2D-B1C4-960EEBA08826}" type="datetimeFigureOut">
               <a:rPr lang="fr-CA" smtClean="0"/>
-              <a:t>2024-11-20</a:t>
+              <a:t>2024-11-21</a:t>
             </a:fld>
             <a:endParaRPr lang="fr-CA"/>
           </a:p>
@@ -2825,7 +2825,7 @@
           <a:p>
             <a:fld id="{DFF2FBC3-E573-4B2D-B1C4-960EEBA08826}" type="datetimeFigureOut">
               <a:rPr lang="fr-CA" smtClean="0"/>
-              <a:t>2024-11-20</a:t>
+              <a:t>2024-11-21</a:t>
             </a:fld>
             <a:endParaRPr lang="fr-CA"/>
           </a:p>
@@ -3038,7 +3038,7 @@
           <a:p>
             <a:fld id="{DFF2FBC3-E573-4B2D-B1C4-960EEBA08826}" type="datetimeFigureOut">
               <a:rPr lang="fr-CA" smtClean="0"/>
-              <a:t>2024-11-20</a:t>
+              <a:t>2024-11-21</a:t>
             </a:fld>
             <a:endParaRPr lang="fr-CA"/>
           </a:p>
@@ -8341,6 +8341,296 @@
           </a:p>
         </p:txBody>
       </p:sp>
+      <p:grpSp>
+        <p:nvGrpSpPr>
+          <p:cNvPr id="2" name="Group 1">
+            <a:extLst>
+              <a:ext uri="{FF2B5EF4-FFF2-40B4-BE49-F238E27FC236}">
+                <a16:creationId xmlns:a16="http://schemas.microsoft.com/office/drawing/2014/main" id="{2ED9CC4E-8833-E4B0-281C-0B5F8A89E093}"/>
+              </a:ext>
+            </a:extLst>
+          </p:cNvPr>
+          <p:cNvGrpSpPr/>
+          <p:nvPr/>
+        </p:nvGrpSpPr>
+        <p:grpSpPr>
+          <a:xfrm>
+            <a:off x="380852" y="7324628"/>
+            <a:ext cx="232013" cy="118656"/>
+            <a:chOff x="921224" y="2236645"/>
+            <a:chExt cx="934872" cy="466520"/>
+          </a:xfrm>
+        </p:grpSpPr>
+        <p:sp>
+          <p:nvSpPr>
+            <p:cNvPr id="3" name="Rectangle 2">
+              <a:extLst>
+                <a:ext uri="{FF2B5EF4-FFF2-40B4-BE49-F238E27FC236}">
+                  <a16:creationId xmlns:a16="http://schemas.microsoft.com/office/drawing/2014/main" id="{28355E47-132A-8F5A-3AE4-3B7E2A2DB13C}"/>
+                </a:ext>
+              </a:extLst>
+            </p:cNvPr>
+            <p:cNvSpPr/>
+            <p:nvPr/>
+          </p:nvSpPr>
+          <p:spPr>
+            <a:xfrm>
+              <a:off x="921224" y="2246920"/>
+              <a:ext cx="934872" cy="456245"/>
+            </a:xfrm>
+            <a:prstGeom prst="rect">
+              <a:avLst/>
+            </a:prstGeom>
+          </p:spPr>
+          <p:style>
+            <a:lnRef idx="2">
+              <a:schemeClr val="accent3">
+                <a:shade val="50000"/>
+              </a:schemeClr>
+            </a:lnRef>
+            <a:fillRef idx="1">
+              <a:schemeClr val="accent3"/>
+            </a:fillRef>
+            <a:effectRef idx="0">
+              <a:schemeClr val="accent3"/>
+            </a:effectRef>
+            <a:fontRef idx="minor">
+              <a:schemeClr val="lt1"/>
+            </a:fontRef>
+          </p:style>
+          <p:txBody>
+            <a:bodyPr rtlCol="0" anchor="ctr"/>
+            <a:lstStyle/>
+            <a:p>
+              <a:pPr algn="ctr"/>
+              <a:endParaRPr lang="en-CA" dirty="0"/>
+            </a:p>
+          </p:txBody>
+        </p:sp>
+        <p:pic>
+          <p:nvPicPr>
+            <p:cNvPr id="7" name="Graphic 6" descr="Close with solid fill">
+              <a:extLst>
+                <a:ext uri="{FF2B5EF4-FFF2-40B4-BE49-F238E27FC236}">
+                  <a16:creationId xmlns:a16="http://schemas.microsoft.com/office/drawing/2014/main" id="{02AB8E22-E347-17B0-041A-54E05515E0A6}"/>
+                </a:ext>
+              </a:extLst>
+            </p:cNvPr>
+            <p:cNvPicPr>
+              <a:picLocks noChangeAspect="1"/>
+            </p:cNvPicPr>
+            <p:nvPr/>
+          </p:nvPicPr>
+          <p:blipFill>
+            <a:blip r:embed="rId7">
+              <a:extLst>
+                <a:ext uri="{28A0092B-C50C-407E-A947-70E740481C1C}">
+                  <a14:useLocalDpi xmlns:a14="http://schemas.microsoft.com/office/drawing/2010/main" val="0"/>
+                </a:ext>
+                <a:ext uri="{96DAC541-7B7A-43D3-8B79-37D633B846F1}">
+                  <asvg:svgBlip xmlns:asvg="http://schemas.microsoft.com/office/drawing/2016/SVG/main" r:embed="rId8"/>
+                </a:ext>
+              </a:extLst>
+            </a:blip>
+            <a:stretch>
+              <a:fillRect/>
+            </a:stretch>
+          </p:blipFill>
+          <p:spPr>
+            <a:xfrm>
+              <a:off x="1361275" y="2246920"/>
+              <a:ext cx="437452" cy="456245"/>
+            </a:xfrm>
+            <a:prstGeom prst="rect">
+              <a:avLst/>
+            </a:prstGeom>
+          </p:spPr>
+        </p:pic>
+        <p:pic>
+          <p:nvPicPr>
+            <p:cNvPr id="9" name="Graphic 8" descr="Checkmark with solid fill">
+              <a:extLst>
+                <a:ext uri="{FF2B5EF4-FFF2-40B4-BE49-F238E27FC236}">
+                  <a16:creationId xmlns:a16="http://schemas.microsoft.com/office/drawing/2014/main" id="{333B04A8-C493-B20E-5DBD-C7DA07041A6C}"/>
+                </a:ext>
+              </a:extLst>
+            </p:cNvPr>
+            <p:cNvPicPr>
+              <a:picLocks noChangeAspect="1"/>
+            </p:cNvPicPr>
+            <p:nvPr/>
+          </p:nvPicPr>
+          <p:blipFill>
+            <a:blip r:embed="rId9">
+              <a:extLst>
+                <a:ext uri="{28A0092B-C50C-407E-A947-70E740481C1C}">
+                  <a14:useLocalDpi xmlns:a14="http://schemas.microsoft.com/office/drawing/2010/main" val="0"/>
+                </a:ext>
+                <a:ext uri="{96DAC541-7B7A-43D3-8B79-37D633B846F1}">
+                  <asvg:svgBlip xmlns:asvg="http://schemas.microsoft.com/office/drawing/2016/SVG/main" r:embed="rId10"/>
+                </a:ext>
+              </a:extLst>
+            </a:blip>
+            <a:stretch>
+              <a:fillRect/>
+            </a:stretch>
+          </p:blipFill>
+          <p:spPr>
+            <a:xfrm>
+              <a:off x="992885" y="2236645"/>
+              <a:ext cx="437452" cy="456245"/>
+            </a:xfrm>
+            <a:prstGeom prst="rect">
+              <a:avLst/>
+            </a:prstGeom>
+          </p:spPr>
+        </p:pic>
+      </p:grpSp>
+      <p:grpSp>
+        <p:nvGrpSpPr>
+          <p:cNvPr id="10" name="Group 9">
+            <a:extLst>
+              <a:ext uri="{FF2B5EF4-FFF2-40B4-BE49-F238E27FC236}">
+                <a16:creationId xmlns:a16="http://schemas.microsoft.com/office/drawing/2014/main" id="{92EE7F02-E6A9-46C3-DDCA-68C33F270410}"/>
+              </a:ext>
+            </a:extLst>
+          </p:cNvPr>
+          <p:cNvGrpSpPr/>
+          <p:nvPr/>
+        </p:nvGrpSpPr>
+        <p:grpSpPr>
+          <a:xfrm>
+            <a:off x="374756" y="6720620"/>
+            <a:ext cx="232013" cy="118656"/>
+            <a:chOff x="921224" y="2236645"/>
+            <a:chExt cx="934872" cy="466520"/>
+          </a:xfrm>
+        </p:grpSpPr>
+        <p:sp>
+          <p:nvSpPr>
+            <p:cNvPr id="11" name="Rectangle 10">
+              <a:extLst>
+                <a:ext uri="{FF2B5EF4-FFF2-40B4-BE49-F238E27FC236}">
+                  <a16:creationId xmlns:a16="http://schemas.microsoft.com/office/drawing/2014/main" id="{464574FA-CC47-0CD4-C785-A141691F64EC}"/>
+                </a:ext>
+              </a:extLst>
+            </p:cNvPr>
+            <p:cNvSpPr/>
+            <p:nvPr/>
+          </p:nvSpPr>
+          <p:spPr>
+            <a:xfrm>
+              <a:off x="921224" y="2246920"/>
+              <a:ext cx="934872" cy="456245"/>
+            </a:xfrm>
+            <a:prstGeom prst="rect">
+              <a:avLst/>
+            </a:prstGeom>
+          </p:spPr>
+          <p:style>
+            <a:lnRef idx="2">
+              <a:schemeClr val="accent3">
+                <a:shade val="50000"/>
+              </a:schemeClr>
+            </a:lnRef>
+            <a:fillRef idx="1">
+              <a:schemeClr val="accent3"/>
+            </a:fillRef>
+            <a:effectRef idx="0">
+              <a:schemeClr val="accent3"/>
+            </a:effectRef>
+            <a:fontRef idx="minor">
+              <a:schemeClr val="lt1"/>
+            </a:fontRef>
+          </p:style>
+          <p:txBody>
+            <a:bodyPr rtlCol="0" anchor="ctr"/>
+            <a:lstStyle/>
+            <a:p>
+              <a:pPr algn="ctr"/>
+              <a:endParaRPr lang="en-CA" dirty="0"/>
+            </a:p>
+          </p:txBody>
+        </p:sp>
+        <p:pic>
+          <p:nvPicPr>
+            <p:cNvPr id="13" name="Graphic 12" descr="Close with solid fill">
+              <a:extLst>
+                <a:ext uri="{FF2B5EF4-FFF2-40B4-BE49-F238E27FC236}">
+                  <a16:creationId xmlns:a16="http://schemas.microsoft.com/office/drawing/2014/main" id="{3489CD2F-2AA1-C22B-9A60-BB8A486CEE21}"/>
+                </a:ext>
+              </a:extLst>
+            </p:cNvPr>
+            <p:cNvPicPr>
+              <a:picLocks noChangeAspect="1"/>
+            </p:cNvPicPr>
+            <p:nvPr/>
+          </p:nvPicPr>
+          <p:blipFill>
+            <a:blip r:embed="rId7">
+              <a:extLst>
+                <a:ext uri="{28A0092B-C50C-407E-A947-70E740481C1C}">
+                  <a14:useLocalDpi xmlns:a14="http://schemas.microsoft.com/office/drawing/2010/main" val="0"/>
+                </a:ext>
+                <a:ext uri="{96DAC541-7B7A-43D3-8B79-37D633B846F1}">
+                  <asvg:svgBlip xmlns:asvg="http://schemas.microsoft.com/office/drawing/2016/SVG/main" r:embed="rId8"/>
+                </a:ext>
+              </a:extLst>
+            </a:blip>
+            <a:stretch>
+              <a:fillRect/>
+            </a:stretch>
+          </p:blipFill>
+          <p:spPr>
+            <a:xfrm>
+              <a:off x="1361275" y="2246920"/>
+              <a:ext cx="437452" cy="456245"/>
+            </a:xfrm>
+            <a:prstGeom prst="rect">
+              <a:avLst/>
+            </a:prstGeom>
+          </p:spPr>
+        </p:pic>
+        <p:pic>
+          <p:nvPicPr>
+            <p:cNvPr id="15" name="Graphic 14" descr="Checkmark with solid fill">
+              <a:extLst>
+                <a:ext uri="{FF2B5EF4-FFF2-40B4-BE49-F238E27FC236}">
+                  <a16:creationId xmlns:a16="http://schemas.microsoft.com/office/drawing/2014/main" id="{D4760DBD-99E0-7BBB-84AF-555684BF9EF5}"/>
+                </a:ext>
+              </a:extLst>
+            </p:cNvPr>
+            <p:cNvPicPr>
+              <a:picLocks noChangeAspect="1"/>
+            </p:cNvPicPr>
+            <p:nvPr/>
+          </p:nvPicPr>
+          <p:blipFill>
+            <a:blip r:embed="rId9">
+              <a:extLst>
+                <a:ext uri="{28A0092B-C50C-407E-A947-70E740481C1C}">
+                  <a14:useLocalDpi xmlns:a14="http://schemas.microsoft.com/office/drawing/2010/main" val="0"/>
+                </a:ext>
+                <a:ext uri="{96DAC541-7B7A-43D3-8B79-37D633B846F1}">
+                  <asvg:svgBlip xmlns:asvg="http://schemas.microsoft.com/office/drawing/2016/SVG/main" r:embed="rId10"/>
+                </a:ext>
+              </a:extLst>
+            </a:blip>
+            <a:stretch>
+              <a:fillRect/>
+            </a:stretch>
+          </p:blipFill>
+          <p:spPr>
+            <a:xfrm>
+              <a:off x="992885" y="2236645"/>
+              <a:ext cx="437452" cy="456245"/>
+            </a:xfrm>
+            <a:prstGeom prst="rect">
+              <a:avLst/>
+            </a:prstGeom>
+          </p:spPr>
+        </p:pic>
+      </p:grpSp>
     </p:spTree>
     <p:extLst>
       <p:ext uri="{BB962C8B-B14F-4D97-AF65-F5344CB8AC3E}">
